--- a/Final Project Poster Template.draft.pptx
+++ b/Final Project Poster Template.draft.pptx
@@ -126,6 +126,91 @@
 </p:presentation>
 </file>
 
+<file path=ppt/changesInfos/changesInfo1.xml><?xml version="1.0" encoding="utf-8"?>
+<pc:chgInfo xmlns:a="http://schemas.openxmlformats.org/drawingml/2006/main" xmlns:r="http://schemas.openxmlformats.org/officeDocument/2006/relationships" xmlns:ac="http://schemas.microsoft.com/office/drawing/2013/main/command" xmlns:pc="http://schemas.microsoft.com/office/powerpoint/2013/main/command">
+  <pc:docChgLst>
+    <pc:chgData name="nikki diguardi" userId="ece98b745894d314" providerId="LiveId" clId="{F5F3F08A-7D6B-40B1-91A2-D837350038E5}"/>
+    <pc:docChg chg="custSel modSld">
+      <pc:chgData name="nikki diguardi" userId="ece98b745894d314" providerId="LiveId" clId="{F5F3F08A-7D6B-40B1-91A2-D837350038E5}" dt="2023-04-15T19:42:00.279" v="527" actId="5793"/>
+      <pc:docMkLst>
+        <pc:docMk/>
+      </pc:docMkLst>
+      <pc:sldChg chg="addSp delSp modSp mod">
+        <pc:chgData name="nikki diguardi" userId="ece98b745894d314" providerId="LiveId" clId="{F5F3F08A-7D6B-40B1-91A2-D837350038E5}" dt="2023-04-15T19:42:00.279" v="527" actId="5793"/>
+        <pc:sldMkLst>
+          <pc:docMk/>
+          <pc:sldMk cId="1662335566" sldId="256"/>
+        </pc:sldMkLst>
+        <pc:spChg chg="mod">
+          <ac:chgData name="nikki diguardi" userId="ece98b745894d314" providerId="LiveId" clId="{F5F3F08A-7D6B-40B1-91A2-D837350038E5}" dt="2023-04-15T19:37:17.595" v="326" actId="20577"/>
+          <ac:spMkLst>
+            <pc:docMk/>
+            <pc:sldMk cId="1662335566" sldId="256"/>
+            <ac:spMk id="76" creationId="{00000000-0000-0000-0000-000000000000}"/>
+          </ac:spMkLst>
+        </pc:spChg>
+        <pc:spChg chg="mod">
+          <ac:chgData name="nikki diguardi" userId="ece98b745894d314" providerId="LiveId" clId="{F5F3F08A-7D6B-40B1-91A2-D837350038E5}" dt="2023-04-15T19:40:04.421" v="417" actId="20577"/>
+          <ac:spMkLst>
+            <pc:docMk/>
+            <pc:sldMk cId="1662335566" sldId="256"/>
+            <ac:spMk id="77" creationId="{00000000-0000-0000-0000-000000000000}"/>
+          </ac:spMkLst>
+        </pc:spChg>
+        <pc:spChg chg="mod">
+          <ac:chgData name="nikki diguardi" userId="ece98b745894d314" providerId="LiveId" clId="{F5F3F08A-7D6B-40B1-91A2-D837350038E5}" dt="2023-04-15T19:35:55.525" v="293" actId="20577"/>
+          <ac:spMkLst>
+            <pc:docMk/>
+            <pc:sldMk cId="1662335566" sldId="256"/>
+            <ac:spMk id="80" creationId="{00000000-0000-0000-0000-000000000000}"/>
+          </ac:spMkLst>
+        </pc:spChg>
+        <pc:spChg chg="mod">
+          <ac:chgData name="nikki diguardi" userId="ece98b745894d314" providerId="LiveId" clId="{F5F3F08A-7D6B-40B1-91A2-D837350038E5}" dt="2023-04-15T19:42:00.279" v="527" actId="5793"/>
+          <ac:spMkLst>
+            <pc:docMk/>
+            <pc:sldMk cId="1662335566" sldId="256"/>
+            <ac:spMk id="81" creationId="{00000000-0000-0000-0000-000000000000}"/>
+          </ac:spMkLst>
+        </pc:spChg>
+        <pc:picChg chg="add mod modCrop">
+          <ac:chgData name="nikki diguardi" userId="ece98b745894d314" providerId="LiveId" clId="{F5F3F08A-7D6B-40B1-91A2-D837350038E5}" dt="2023-04-15T19:28:46.382" v="13" actId="1076"/>
+          <ac:picMkLst>
+            <pc:docMk/>
+            <pc:sldMk cId="1662335566" sldId="256"/>
+            <ac:picMk id="3" creationId="{F14F7D6D-4F07-6717-03F8-DFAA0CD976D4}"/>
+          </ac:picMkLst>
+        </pc:picChg>
+        <pc:picChg chg="del">
+          <ac:chgData name="nikki diguardi" userId="ece98b745894d314" providerId="LiveId" clId="{F5F3F08A-7D6B-40B1-91A2-D837350038E5}" dt="2023-04-15T19:26:44.251" v="0" actId="478"/>
+          <ac:picMkLst>
+            <pc:docMk/>
+            <pc:sldMk cId="1662335566" sldId="256"/>
+            <ac:picMk id="6" creationId="{F6BE9E6C-C9B5-2D8B-AD76-F26DF6140134}"/>
+          </ac:picMkLst>
+        </pc:picChg>
+        <pc:picChg chg="add del mod">
+          <ac:chgData name="nikki diguardi" userId="ece98b745894d314" providerId="LiveId" clId="{F5F3F08A-7D6B-40B1-91A2-D837350038E5}" dt="2023-04-15T19:31:41.157" v="80" actId="478"/>
+          <ac:picMkLst>
+            <pc:docMk/>
+            <pc:sldMk cId="1662335566" sldId="256"/>
+            <ac:picMk id="7" creationId="{EC3CF74F-E1C6-5F0D-0F14-27A5B25B77BC}"/>
+          </ac:picMkLst>
+        </pc:picChg>
+        <pc:picChg chg="add mod">
+          <ac:chgData name="nikki diguardi" userId="ece98b745894d314" providerId="LiveId" clId="{F5F3F08A-7D6B-40B1-91A2-D837350038E5}" dt="2023-04-15T19:32:27.024" v="84" actId="1076"/>
+          <ac:picMkLst>
+            <pc:docMk/>
+            <pc:sldMk cId="1662335566" sldId="256"/>
+            <ac:picMk id="9" creationId="{994709D8-198D-AEED-A773-B9DFEE55526A}"/>
+          </ac:picMkLst>
+        </pc:picChg>
+      </pc:sldChg>
+    </pc:docChg>
+  </pc:docChgLst>
+</pc:chgInfo>
+</file>
+
 <file path=ppt/notesMasters/notesMaster1.xml><?xml version="1.0" encoding="utf-8"?>
 <p:notesMaster xmlns:a="http://schemas.openxmlformats.org/drawingml/2006/main" xmlns:r="http://schemas.openxmlformats.org/officeDocument/2006/relationships" xmlns:p="http://schemas.openxmlformats.org/presentationml/2006/main">
   <p:cSld>
@@ -208,7 +293,7 @@
           <a:p>
             <a:fld id="{FC702967-EB2C-4717-9E17-BC16B9A1EF6A}" type="datetimeFigureOut">
               <a:rPr lang="en-US" smtClean="0"/>
-              <a:t>3/19/2023</a:t>
+              <a:t>4/15/2023</a:t>
             </a:fld>
             <a:endParaRPr lang="en-US"/>
           </a:p>
@@ -738,7 +823,7 @@
           <a:p>
             <a:fld id="{0E872153-8F8D-40E9-B7DF-307C37E3945F}" type="datetimeFigureOut">
               <a:rPr lang="en-US" smtClean="0"/>
-              <a:t>3/19/2023</a:t>
+              <a:t>4/15/2023</a:t>
             </a:fld>
             <a:endParaRPr lang="en-US"/>
           </a:p>
@@ -906,7 +991,7 @@
           <a:p>
             <a:fld id="{0E872153-8F8D-40E9-B7DF-307C37E3945F}" type="datetimeFigureOut">
               <a:rPr lang="en-US" smtClean="0"/>
-              <a:t>3/19/2023</a:t>
+              <a:t>4/15/2023</a:t>
             </a:fld>
             <a:endParaRPr lang="en-US"/>
           </a:p>
@@ -1084,7 +1169,7 @@
           <a:p>
             <a:fld id="{0E872153-8F8D-40E9-B7DF-307C37E3945F}" type="datetimeFigureOut">
               <a:rPr lang="en-US" smtClean="0"/>
-              <a:t>3/19/2023</a:t>
+              <a:t>4/15/2023</a:t>
             </a:fld>
             <a:endParaRPr lang="en-US"/>
           </a:p>
@@ -1252,7 +1337,7 @@
           <a:p>
             <a:fld id="{0E872153-8F8D-40E9-B7DF-307C37E3945F}" type="datetimeFigureOut">
               <a:rPr lang="en-US" smtClean="0"/>
-              <a:t>3/19/2023</a:t>
+              <a:t>4/15/2023</a:t>
             </a:fld>
             <a:endParaRPr lang="en-US"/>
           </a:p>
@@ -1497,7 +1582,7 @@
           <a:p>
             <a:fld id="{0E872153-8F8D-40E9-B7DF-307C37E3945F}" type="datetimeFigureOut">
               <a:rPr lang="en-US" smtClean="0"/>
-              <a:t>3/19/2023</a:t>
+              <a:t>4/15/2023</a:t>
             </a:fld>
             <a:endParaRPr lang="en-US"/>
           </a:p>
@@ -1782,7 +1867,7 @@
           <a:p>
             <a:fld id="{0E872153-8F8D-40E9-B7DF-307C37E3945F}" type="datetimeFigureOut">
               <a:rPr lang="en-US" smtClean="0"/>
-              <a:t>3/19/2023</a:t>
+              <a:t>4/15/2023</a:t>
             </a:fld>
             <a:endParaRPr lang="en-US"/>
           </a:p>
@@ -2206,7 +2291,7 @@
           <a:p>
             <a:fld id="{0E872153-8F8D-40E9-B7DF-307C37E3945F}" type="datetimeFigureOut">
               <a:rPr lang="en-US" smtClean="0"/>
-              <a:t>3/19/2023</a:t>
+              <a:t>4/15/2023</a:t>
             </a:fld>
             <a:endParaRPr lang="en-US"/>
           </a:p>
@@ -2323,7 +2408,7 @@
           <a:p>
             <a:fld id="{0E872153-8F8D-40E9-B7DF-307C37E3945F}" type="datetimeFigureOut">
               <a:rPr lang="en-US" smtClean="0"/>
-              <a:t>3/19/2023</a:t>
+              <a:t>4/15/2023</a:t>
             </a:fld>
             <a:endParaRPr lang="en-US"/>
           </a:p>
@@ -2418,7 +2503,7 @@
           <a:p>
             <a:fld id="{0E872153-8F8D-40E9-B7DF-307C37E3945F}" type="datetimeFigureOut">
               <a:rPr lang="en-US" smtClean="0"/>
-              <a:t>3/19/2023</a:t>
+              <a:t>4/15/2023</a:t>
             </a:fld>
             <a:endParaRPr lang="en-US"/>
           </a:p>
@@ -2693,7 +2778,7 @@
           <a:p>
             <a:fld id="{0E872153-8F8D-40E9-B7DF-307C37E3945F}" type="datetimeFigureOut">
               <a:rPr lang="en-US" smtClean="0"/>
-              <a:t>3/19/2023</a:t>
+              <a:t>4/15/2023</a:t>
             </a:fld>
             <a:endParaRPr lang="en-US"/>
           </a:p>
@@ -2945,7 +3030,7 @@
           <a:p>
             <a:fld id="{0E872153-8F8D-40E9-B7DF-307C37E3945F}" type="datetimeFigureOut">
               <a:rPr lang="en-US" smtClean="0"/>
-              <a:t>3/19/2023</a:t>
+              <a:t>4/15/2023</a:t>
             </a:fld>
             <a:endParaRPr lang="en-US"/>
           </a:p>
@@ -3156,7 +3241,7 @@
           <a:p>
             <a:fld id="{0E872153-8F8D-40E9-B7DF-307C37E3945F}" type="datetimeFigureOut">
               <a:rPr lang="en-US" smtClean="0"/>
-              <a:t>3/19/2023</a:t>
+              <a:t>4/15/2023</a:t>
             </a:fld>
             <a:endParaRPr lang="en-US"/>
           </a:p>
@@ -4217,7 +4302,7 @@
                 <a:latin typeface="+mj-lt"/>
                 <a:cs typeface="Arial" panose="020B0604020202020204" pitchFamily="34" charset="0"/>
               </a:rPr>
-              <a:t>      As part of the final project, the Weather Warriors developed a website where you will be able to see weather for any given city. The current weather will display and then a weekly forecast will appear. This page will give people a way to explore the weather around the world. The website is intended to be used any anyone interesting in the weather. The interface will be simple enough for anyone to use.</a:t>
+              <a:t>      As part of the final project, the Weather Warriors developed a website where the user will be able to see weather for any given city. The current weather will display and then a daily forecast will appear. This page will give people a way to explore the weather around the world. The website is intended to be used for anyone interested in the weather. The interface will be simple enough for anyone to use.</a:t>
             </a:r>
             <a:endParaRPr lang="en-US" altLang="en-US" sz="4000" dirty="0">
               <a:solidFill>
@@ -4425,7 +4510,21 @@
                 <a:latin typeface="+mj-lt"/>
                 <a:cs typeface="Arial" panose="020B0604020202020204" pitchFamily="34" charset="0"/>
               </a:rPr>
-              <a:t>The system technology includes a website. JavaScript was used to contain and interpret the API.  HTML will be used to frame the webpage and a bootstrap CSS embedded in HTML to alter the style of the webpage. OpenWeatherAPI will be used to grab the data needed to return the results. </a:t>
+              <a:t>The system technology includes a website. JavaScript was used to contain and interpret the API.  HTML will be used to frame the webpage and a bootstrap CSS embedded in HTML to alter the style of the webpage. There are functions and to better layout the website with JavaScript. </a:t>
+            </a:r>
+            <a:r>
+              <a:rPr lang="en-US" altLang="en-US" sz="3600" dirty="0" err="1">
+                <a:latin typeface="+mj-lt"/>
+                <a:cs typeface="Arial" panose="020B0604020202020204" pitchFamily="34" charset="0"/>
+              </a:rPr>
+              <a:t>OpenWeatherAPI</a:t>
+            </a:r>
+            <a:r>
+              <a:rPr lang="en-US" altLang="en-US" sz="3600" dirty="0">
+                <a:latin typeface="+mj-lt"/>
+                <a:cs typeface="Arial" panose="020B0604020202020204" pitchFamily="34" charset="0"/>
+              </a:rPr>
+              <a:t> will be used to grab the data needed to return the results. </a:t>
             </a:r>
           </a:p>
         </p:txBody>
@@ -5110,7 +5209,7 @@
                 <a:latin typeface="+mj-lt"/>
                 <a:cs typeface="Arial" panose="020B0604020202020204" pitchFamily="34" charset="0"/>
               </a:rPr>
-              <a:t>     In conclusion and after several group meetings and collaboration, a working prototype has been developed and tested.  A short demonstration will be included in the video that will accompany this project. </a:t>
+              <a:t>     In conclusion and after several group meetings and collaboration, a working prototype has been developed and tested. The Weather Warriors worked well together and found ways of creating a weather website that is unique.   A short demonstration will be included in the video that will accompany this project. The video describes our collaboration and website functions.</a:t>
             </a:r>
           </a:p>
         </p:txBody>
@@ -5329,7 +5428,7 @@
                 <a:latin typeface="+mj-lt"/>
                 <a:cs typeface="Arial" panose="020B0604020202020204" pitchFamily="34" charset="0"/>
               </a:rPr>
-              <a:t>Create a mobile application that people can download. Users can use the mobile application the same way they would when using a webpage.</a:t>
+              <a:t>Create a mobile application that people can download. </a:t>
             </a:r>
           </a:p>
           <a:p>
@@ -5342,6 +5441,20 @@
             </a:r>
           </a:p>
           <a:p>
+            <a:r>
+              <a:rPr lang="en-US" altLang="en-US" sz="3600" dirty="0">
+                <a:latin typeface="+mj-lt"/>
+                <a:cs typeface="Arial" panose="020B0604020202020204" pitchFamily="34" charset="0"/>
+              </a:rPr>
+              <a:t>Include weather patterns off-world</a:t>
+            </a:r>
+            <a:r>
+              <a:rPr lang="en-US" altLang="en-US" sz="3600">
+                <a:latin typeface="+mj-lt"/>
+                <a:cs typeface="Arial" panose="020B0604020202020204" pitchFamily="34" charset="0"/>
+              </a:rPr>
+              <a:t>, the moon…</a:t>
+            </a:r>
             <a:endParaRPr lang="en-US" altLang="en-US" sz="3600" dirty="0">
               <a:latin typeface="+mj-lt"/>
               <a:cs typeface="Arial" panose="020B0604020202020204" pitchFamily="34" charset="0"/>
@@ -5381,10 +5494,39 @@
       </p:pic>
       <p:pic>
         <p:nvPicPr>
-          <p:cNvPr id="6" name="Picture 5">
+          <p:cNvPr id="3" name="Picture 2">
             <a:extLst>
               <a:ext uri="{FF2B5EF4-FFF2-40B4-BE49-F238E27FC236}">
-                <a16:creationId xmlns:a16="http://schemas.microsoft.com/office/drawing/2014/main" id="{F6BE9E6C-C9B5-2D8B-AD76-F26DF6140134}"/>
+                <a16:creationId xmlns:a16="http://schemas.microsoft.com/office/drawing/2014/main" id="{F14F7D6D-4F07-6717-03F8-DFAA0CD976D4}"/>
+              </a:ext>
+            </a:extLst>
+          </p:cNvPr>
+          <p:cNvPicPr>
+            <a:picLocks noChangeAspect="1"/>
+          </p:cNvPicPr>
+          <p:nvPr/>
+        </p:nvPicPr>
+        <p:blipFill rotWithShape="1">
+          <a:blip r:embed="rId4"/>
+          <a:srcRect t="17717"/>
+          <a:stretch/>
+        </p:blipFill>
+        <p:spPr>
+          <a:xfrm>
+            <a:off x="12001500" y="7186821"/>
+            <a:ext cx="19888200" cy="10167765"/>
+          </a:xfrm>
+          <a:prstGeom prst="rect">
+            <a:avLst/>
+          </a:prstGeom>
+        </p:spPr>
+      </p:pic>
+      <p:pic>
+        <p:nvPicPr>
+          <p:cNvPr id="9" name="Picture 8">
+            <a:extLst>
+              <a:ext uri="{FF2B5EF4-FFF2-40B4-BE49-F238E27FC236}">
+                <a16:creationId xmlns:a16="http://schemas.microsoft.com/office/drawing/2014/main" id="{994709D8-198D-AEED-A773-B9DFEE55526A}"/>
               </a:ext>
             </a:extLst>
           </p:cNvPr>
@@ -5394,15 +5536,15 @@
           <p:nvPr/>
         </p:nvPicPr>
         <p:blipFill>
-          <a:blip r:embed="rId4"/>
+          <a:blip r:embed="rId5"/>
           <a:stretch>
             <a:fillRect/>
           </a:stretch>
         </p:blipFill>
         <p:spPr>
           <a:xfrm>
-            <a:off x="11734800" y="7337922"/>
-            <a:ext cx="19659600" cy="19418870"/>
+            <a:off x="12340127" y="17705749"/>
+            <a:ext cx="17754600" cy="14984052"/>
           </a:xfrm>
           <a:prstGeom prst="rect">
             <a:avLst/>

--- a/Final Project Poster Template.draft.pptx
+++ b/Final Project Poster Template.draft.pptx
@@ -293,7 +293,7 @@
           <a:p>
             <a:fld id="{FC702967-EB2C-4717-9E17-BC16B9A1EF6A}" type="datetimeFigureOut">
               <a:rPr lang="en-US" smtClean="0"/>
-              <a:t>4/15/2023</a:t>
+              <a:t>4/21/2023</a:t>
             </a:fld>
             <a:endParaRPr lang="en-US"/>
           </a:p>
@@ -823,7 +823,7 @@
           <a:p>
             <a:fld id="{0E872153-8F8D-40E9-B7DF-307C37E3945F}" type="datetimeFigureOut">
               <a:rPr lang="en-US" smtClean="0"/>
-              <a:t>4/15/2023</a:t>
+              <a:t>4/21/2023</a:t>
             </a:fld>
             <a:endParaRPr lang="en-US"/>
           </a:p>
@@ -991,7 +991,7 @@
           <a:p>
             <a:fld id="{0E872153-8F8D-40E9-B7DF-307C37E3945F}" type="datetimeFigureOut">
               <a:rPr lang="en-US" smtClean="0"/>
-              <a:t>4/15/2023</a:t>
+              <a:t>4/21/2023</a:t>
             </a:fld>
             <a:endParaRPr lang="en-US"/>
           </a:p>
@@ -1169,7 +1169,7 @@
           <a:p>
             <a:fld id="{0E872153-8F8D-40E9-B7DF-307C37E3945F}" type="datetimeFigureOut">
               <a:rPr lang="en-US" smtClean="0"/>
-              <a:t>4/15/2023</a:t>
+              <a:t>4/21/2023</a:t>
             </a:fld>
             <a:endParaRPr lang="en-US"/>
           </a:p>
@@ -1337,7 +1337,7 @@
           <a:p>
             <a:fld id="{0E872153-8F8D-40E9-B7DF-307C37E3945F}" type="datetimeFigureOut">
               <a:rPr lang="en-US" smtClean="0"/>
-              <a:t>4/15/2023</a:t>
+              <a:t>4/21/2023</a:t>
             </a:fld>
             <a:endParaRPr lang="en-US"/>
           </a:p>
@@ -1582,7 +1582,7 @@
           <a:p>
             <a:fld id="{0E872153-8F8D-40E9-B7DF-307C37E3945F}" type="datetimeFigureOut">
               <a:rPr lang="en-US" smtClean="0"/>
-              <a:t>4/15/2023</a:t>
+              <a:t>4/21/2023</a:t>
             </a:fld>
             <a:endParaRPr lang="en-US"/>
           </a:p>
@@ -1867,7 +1867,7 @@
           <a:p>
             <a:fld id="{0E872153-8F8D-40E9-B7DF-307C37E3945F}" type="datetimeFigureOut">
               <a:rPr lang="en-US" smtClean="0"/>
-              <a:t>4/15/2023</a:t>
+              <a:t>4/21/2023</a:t>
             </a:fld>
             <a:endParaRPr lang="en-US"/>
           </a:p>
@@ -2291,7 +2291,7 @@
           <a:p>
             <a:fld id="{0E872153-8F8D-40E9-B7DF-307C37E3945F}" type="datetimeFigureOut">
               <a:rPr lang="en-US" smtClean="0"/>
-              <a:t>4/15/2023</a:t>
+              <a:t>4/21/2023</a:t>
             </a:fld>
             <a:endParaRPr lang="en-US"/>
           </a:p>
@@ -2408,7 +2408,7 @@
           <a:p>
             <a:fld id="{0E872153-8F8D-40E9-B7DF-307C37E3945F}" type="datetimeFigureOut">
               <a:rPr lang="en-US" smtClean="0"/>
-              <a:t>4/15/2023</a:t>
+              <a:t>4/21/2023</a:t>
             </a:fld>
             <a:endParaRPr lang="en-US"/>
           </a:p>
@@ -2503,7 +2503,7 @@
           <a:p>
             <a:fld id="{0E872153-8F8D-40E9-B7DF-307C37E3945F}" type="datetimeFigureOut">
               <a:rPr lang="en-US" smtClean="0"/>
-              <a:t>4/15/2023</a:t>
+              <a:t>4/21/2023</a:t>
             </a:fld>
             <a:endParaRPr lang="en-US"/>
           </a:p>
@@ -2778,7 +2778,7 @@
           <a:p>
             <a:fld id="{0E872153-8F8D-40E9-B7DF-307C37E3945F}" type="datetimeFigureOut">
               <a:rPr lang="en-US" smtClean="0"/>
-              <a:t>4/15/2023</a:t>
+              <a:t>4/21/2023</a:t>
             </a:fld>
             <a:endParaRPr lang="en-US"/>
           </a:p>
@@ -3030,7 +3030,7 @@
           <a:p>
             <a:fld id="{0E872153-8F8D-40E9-B7DF-307C37E3945F}" type="datetimeFigureOut">
               <a:rPr lang="en-US" smtClean="0"/>
-              <a:t>4/15/2023</a:t>
+              <a:t>4/21/2023</a:t>
             </a:fld>
             <a:endParaRPr lang="en-US"/>
           </a:p>
@@ -3241,7 +3241,7 @@
           <a:p>
             <a:fld id="{0E872153-8F8D-40E9-B7DF-307C37E3945F}" type="datetimeFigureOut">
               <a:rPr lang="en-US" smtClean="0"/>
-              <a:t>4/15/2023</a:t>
+              <a:t>4/21/2023</a:t>
             </a:fld>
             <a:endParaRPr lang="en-US"/>
           </a:p>
@@ -4302,7 +4302,7 @@
                 <a:latin typeface="+mj-lt"/>
                 <a:cs typeface="Arial" panose="020B0604020202020204" pitchFamily="34" charset="0"/>
               </a:rPr>
-              <a:t>      As part of the final project, the Weather Warriors developed a website where the user will be able to see weather for any given city. The current weather will display and then a daily forecast will appear. This page will give people a way to explore the weather around the world. The website is intended to be used for anyone interested in the weather. The interface will be simple enough for anyone to use.</a:t>
+              <a:t>      As part of the final project, the Weather Warriors developed a website where the user will be able to see the weather for any given city. The current weather will display and then a daily forecast will appear. This page will give people a way to explore the weather around the world and is intended to be used for anyone interested in the weather. The interface is simple and user friendly.</a:t>
             </a:r>
             <a:endParaRPr lang="en-US" altLang="en-US" sz="4000" dirty="0">
               <a:solidFill>
@@ -4716,11 +4716,18 @@
               <a:buChar char="-"/>
             </a:pPr>
             <a:r>
+              <a:rPr lang="en-US" altLang="en-US" sz="3600">
+                <a:latin typeface="+mj-lt"/>
+                <a:cs typeface="Arial" panose="020B0604020202020204" pitchFamily="34" charset="0"/>
+              </a:rPr>
+              <a:t>Need </a:t>
+            </a:r>
+            <a:r>
               <a:rPr lang="en-US" altLang="en-US" sz="3600" dirty="0">
                 <a:latin typeface="+mj-lt"/>
                 <a:cs typeface="Arial" panose="020B0604020202020204" pitchFamily="34" charset="0"/>
               </a:rPr>
-              <a:t>Need the ability to link to the webpage</a:t>
+              <a:t>the ability to link to the webpage</a:t>
             </a:r>
           </a:p>
           <a:p>
@@ -5209,7 +5216,7 @@
                 <a:latin typeface="+mj-lt"/>
                 <a:cs typeface="Arial" panose="020B0604020202020204" pitchFamily="34" charset="0"/>
               </a:rPr>
-              <a:t>     In conclusion and after several group meetings and collaboration, a working prototype has been developed and tested. The Weather Warriors worked well together and found ways of creating a weather website that is unique.   A short demonstration will be included in the video that will accompany this project. The video describes our collaboration and website functions.</a:t>
+              <a:t>     After several group meetings and collaborations, a working prototype has been developed. The Weather Warriors worked well together and found ways of creating a weather website that is unique. A short demonstration will be included in the video that will accompany this project. The video describes our collaboration and website functions.</a:t>
             </a:r>
           </a:p>
         </p:txBody>
@@ -5446,19 +5453,8 @@
                 <a:latin typeface="+mj-lt"/>
                 <a:cs typeface="Arial" panose="020B0604020202020204" pitchFamily="34" charset="0"/>
               </a:rPr>
-              <a:t>Include weather patterns off-world</a:t>
-            </a:r>
-            <a:r>
-              <a:rPr lang="en-US" altLang="en-US" sz="3600">
-                <a:latin typeface="+mj-lt"/>
-                <a:cs typeface="Arial" panose="020B0604020202020204" pitchFamily="34" charset="0"/>
-              </a:rPr>
-              <a:t>, the moon…</a:t>
-            </a:r>
-            <a:endParaRPr lang="en-US" altLang="en-US" sz="3600" dirty="0">
-              <a:latin typeface="+mj-lt"/>
-              <a:cs typeface="Arial" panose="020B0604020202020204" pitchFamily="34" charset="0"/>
-            </a:endParaRPr>
+              <a:t>Detect the current city when opening the website.</a:t>
+            </a:r>
           </a:p>
         </p:txBody>
       </p:sp>

--- a/Final Project Poster Template.draft.pptx
+++ b/Final Project Poster Template.draft.pptx
@@ -293,7 +293,7 @@
           <a:p>
             <a:fld id="{FC702967-EB2C-4717-9E17-BC16B9A1EF6A}" type="datetimeFigureOut">
               <a:rPr lang="en-US" smtClean="0"/>
-              <a:t>4/21/2023</a:t>
+              <a:t>4/25/2023</a:t>
             </a:fld>
             <a:endParaRPr lang="en-US"/>
           </a:p>
@@ -823,7 +823,7 @@
           <a:p>
             <a:fld id="{0E872153-8F8D-40E9-B7DF-307C37E3945F}" type="datetimeFigureOut">
               <a:rPr lang="en-US" smtClean="0"/>
-              <a:t>4/21/2023</a:t>
+              <a:t>4/25/2023</a:t>
             </a:fld>
             <a:endParaRPr lang="en-US"/>
           </a:p>
@@ -991,7 +991,7 @@
           <a:p>
             <a:fld id="{0E872153-8F8D-40E9-B7DF-307C37E3945F}" type="datetimeFigureOut">
               <a:rPr lang="en-US" smtClean="0"/>
-              <a:t>4/21/2023</a:t>
+              <a:t>4/25/2023</a:t>
             </a:fld>
             <a:endParaRPr lang="en-US"/>
           </a:p>
@@ -1169,7 +1169,7 @@
           <a:p>
             <a:fld id="{0E872153-8F8D-40E9-B7DF-307C37E3945F}" type="datetimeFigureOut">
               <a:rPr lang="en-US" smtClean="0"/>
-              <a:t>4/21/2023</a:t>
+              <a:t>4/25/2023</a:t>
             </a:fld>
             <a:endParaRPr lang="en-US"/>
           </a:p>
@@ -1337,7 +1337,7 @@
           <a:p>
             <a:fld id="{0E872153-8F8D-40E9-B7DF-307C37E3945F}" type="datetimeFigureOut">
               <a:rPr lang="en-US" smtClean="0"/>
-              <a:t>4/21/2023</a:t>
+              <a:t>4/25/2023</a:t>
             </a:fld>
             <a:endParaRPr lang="en-US"/>
           </a:p>
@@ -1582,7 +1582,7 @@
           <a:p>
             <a:fld id="{0E872153-8F8D-40E9-B7DF-307C37E3945F}" type="datetimeFigureOut">
               <a:rPr lang="en-US" smtClean="0"/>
-              <a:t>4/21/2023</a:t>
+              <a:t>4/25/2023</a:t>
             </a:fld>
             <a:endParaRPr lang="en-US"/>
           </a:p>
@@ -1867,7 +1867,7 @@
           <a:p>
             <a:fld id="{0E872153-8F8D-40E9-B7DF-307C37E3945F}" type="datetimeFigureOut">
               <a:rPr lang="en-US" smtClean="0"/>
-              <a:t>4/21/2023</a:t>
+              <a:t>4/25/2023</a:t>
             </a:fld>
             <a:endParaRPr lang="en-US"/>
           </a:p>
@@ -2291,7 +2291,7 @@
           <a:p>
             <a:fld id="{0E872153-8F8D-40E9-B7DF-307C37E3945F}" type="datetimeFigureOut">
               <a:rPr lang="en-US" smtClean="0"/>
-              <a:t>4/21/2023</a:t>
+              <a:t>4/25/2023</a:t>
             </a:fld>
             <a:endParaRPr lang="en-US"/>
           </a:p>
@@ -2408,7 +2408,7 @@
           <a:p>
             <a:fld id="{0E872153-8F8D-40E9-B7DF-307C37E3945F}" type="datetimeFigureOut">
               <a:rPr lang="en-US" smtClean="0"/>
-              <a:t>4/21/2023</a:t>
+              <a:t>4/25/2023</a:t>
             </a:fld>
             <a:endParaRPr lang="en-US"/>
           </a:p>
@@ -2503,7 +2503,7 @@
           <a:p>
             <a:fld id="{0E872153-8F8D-40E9-B7DF-307C37E3945F}" type="datetimeFigureOut">
               <a:rPr lang="en-US" smtClean="0"/>
-              <a:t>4/21/2023</a:t>
+              <a:t>4/25/2023</a:t>
             </a:fld>
             <a:endParaRPr lang="en-US"/>
           </a:p>
@@ -2778,7 +2778,7 @@
           <a:p>
             <a:fld id="{0E872153-8F8D-40E9-B7DF-307C37E3945F}" type="datetimeFigureOut">
               <a:rPr lang="en-US" smtClean="0"/>
-              <a:t>4/21/2023</a:t>
+              <a:t>4/25/2023</a:t>
             </a:fld>
             <a:endParaRPr lang="en-US"/>
           </a:p>
@@ -3030,7 +3030,7 @@
           <a:p>
             <a:fld id="{0E872153-8F8D-40E9-B7DF-307C37E3945F}" type="datetimeFigureOut">
               <a:rPr lang="en-US" smtClean="0"/>
-              <a:t>4/21/2023</a:t>
+              <a:t>4/25/2023</a:t>
             </a:fld>
             <a:endParaRPr lang="en-US"/>
           </a:p>
@@ -3241,7 +3241,7 @@
           <a:p>
             <a:fld id="{0E872153-8F8D-40E9-B7DF-307C37E3945F}" type="datetimeFigureOut">
               <a:rPr lang="en-US" smtClean="0"/>
-              <a:t>4/21/2023</a:t>
+              <a:t>4/25/2023</a:t>
             </a:fld>
             <a:endParaRPr lang="en-US"/>
           </a:p>
@@ -3844,16 +3844,16 @@
                 </a:solidFill>
                 <a:cs typeface="Arial" panose="020B0604020202020204" pitchFamily="34" charset="0"/>
               </a:rPr>
-              <a:t>Cortland </a:t>
-            </a:r>
-            <a:r>
-              <a:rPr lang="en-US" altLang="en-US" sz="4400" b="1" dirty="0" err="1">
+              <a:t>TEAM </a:t>
+            </a:r>
+            <a:r>
+              <a:rPr lang="en-US" altLang="en-US" sz="4400" b="1">
                 <a:solidFill>
                   <a:srgbClr val="FFC000"/>
                 </a:solidFill>
                 <a:cs typeface="Arial" panose="020B0604020202020204" pitchFamily="34" charset="0"/>
               </a:rPr>
-              <a:t>Diehm</a:t>
+              <a:t>MEMBERS: Cortland </a:t>
             </a:r>
             <a:r>
               <a:rPr lang="en-US" altLang="en-US" sz="4400" b="1" dirty="0">
@@ -3862,7 +3862,7 @@
                 </a:solidFill>
                 <a:cs typeface="Arial" panose="020B0604020202020204" pitchFamily="34" charset="0"/>
               </a:rPr>
-              <a:t>, Steven </a:t>
+              <a:t>Diehm, Steven </a:t>
             </a:r>
             <a:r>
               <a:rPr lang="en-US" altLang="en-US" sz="4400" b="1" dirty="0" err="1">
@@ -4510,21 +4510,21 @@
                 <a:latin typeface="+mj-lt"/>
                 <a:cs typeface="Arial" panose="020B0604020202020204" pitchFamily="34" charset="0"/>
               </a:rPr>
-              <a:t>The system technology includes a website. JavaScript was used to contain and interpret the API.  HTML will be used to frame the webpage and a bootstrap CSS embedded in HTML to alter the style of the webpage. There are functions and to better layout the website with JavaScript. </a:t>
+              <a:t>The system technology includes a website. JavaScript was used to contain and interpret the API.  HTML was used to frame the webpage and a CSS file linked in the HTML was written to alter the style of the webpage. </a:t>
             </a:r>
             <a:r>
               <a:rPr lang="en-US" altLang="en-US" sz="3600" dirty="0" err="1">
                 <a:latin typeface="+mj-lt"/>
                 <a:cs typeface="Arial" panose="020B0604020202020204" pitchFamily="34" charset="0"/>
               </a:rPr>
-              <a:t>OpenWeatherAPI</a:t>
+              <a:t>OpenWeather</a:t>
             </a:r>
             <a:r>
               <a:rPr lang="en-US" altLang="en-US" sz="3600" dirty="0">
                 <a:latin typeface="+mj-lt"/>
                 <a:cs typeface="Arial" panose="020B0604020202020204" pitchFamily="34" charset="0"/>
               </a:rPr>
-              <a:t> will be used to grab the data needed to return the results. </a:t>
+              <a:t> API was used to get real-time weather data for every city on the planet, which was passed to the program in JSON format.</a:t>
             </a:r>
           </a:p>
         </p:txBody>
@@ -4712,28 +4712,21 @@
           </a:p>
           <a:p>
             <a:pPr marL="571500" indent="-571500">
-              <a:buFontTx/>
-              <a:buChar char="-"/>
+              <a:buFont typeface="Arial" panose="020B0604020202020204" pitchFamily="34" charset="0"/>
+              <a:buChar char="•"/>
             </a:pPr>
-            <a:r>
-              <a:rPr lang="en-US" altLang="en-US" sz="3600">
-                <a:latin typeface="+mj-lt"/>
-                <a:cs typeface="Arial" panose="020B0604020202020204" pitchFamily="34" charset="0"/>
-              </a:rPr>
-              <a:t>Need </a:t>
-            </a:r>
             <a:r>
               <a:rPr lang="en-US" altLang="en-US" sz="3600" dirty="0">
                 <a:latin typeface="+mj-lt"/>
                 <a:cs typeface="Arial" panose="020B0604020202020204" pitchFamily="34" charset="0"/>
               </a:rPr>
-              <a:t>the ability to link to the webpage</a:t>
+              <a:t>Needs the ability to link data to the webpage</a:t>
             </a:r>
           </a:p>
           <a:p>
             <a:pPr marL="571500" indent="-571500">
-              <a:buFontTx/>
-              <a:buChar char="-"/>
+              <a:buFont typeface="Arial" panose="020B0604020202020204" pitchFamily="34" charset="0"/>
+              <a:buChar char="•"/>
             </a:pPr>
             <a:r>
               <a:rPr lang="en-US" altLang="en-US" sz="3600" dirty="0">
@@ -4745,8 +4738,8 @@
           </a:p>
           <a:p>
             <a:pPr marL="571500" indent="-571500">
-              <a:buFontTx/>
-              <a:buChar char="-"/>
+              <a:buFont typeface="Arial" panose="020B0604020202020204" pitchFamily="34" charset="0"/>
+              <a:buChar char="•"/>
             </a:pPr>
             <a:r>
               <a:rPr lang="en-US" altLang="en-US" sz="3600" dirty="0">
@@ -4758,8 +4751,8 @@
           </a:p>
           <a:p>
             <a:pPr marL="571500" indent="-571500">
-              <a:buFontTx/>
-              <a:buChar char="-"/>
+              <a:buFont typeface="Arial" panose="020B0604020202020204" pitchFamily="34" charset="0"/>
+              <a:buChar char="•"/>
             </a:pPr>
             <a:r>
               <a:rPr lang="en-US" altLang="en-US" sz="3600" dirty="0">
@@ -4771,8 +4764,8 @@
           </a:p>
           <a:p>
             <a:pPr marL="571500" indent="-571500">
-              <a:buFontTx/>
-              <a:buChar char="-"/>
+              <a:buFont typeface="Arial" panose="020B0604020202020204" pitchFamily="34" charset="0"/>
+              <a:buChar char="•"/>
             </a:pPr>
             <a:r>
               <a:rPr lang="en-US" altLang="en-US" sz="3600" dirty="0">
@@ -5216,7 +5209,7 @@
                 <a:latin typeface="+mj-lt"/>
                 <a:cs typeface="Arial" panose="020B0604020202020204" pitchFamily="34" charset="0"/>
               </a:rPr>
-              <a:t>     After several group meetings and collaborations, a working prototype has been developed. The Weather Warriors worked well together and found ways of creating a weather website that is unique. A short demonstration will be included in the video that will accompany this project. The video describes our collaboration and website functions.</a:t>
+              <a:t>     After several group meetings and collaborations, a working webpage that meets all of our requirements was developed. The Weather Warriors worked well together and created a web application that was both efficient and aesthetically pleasing. A short demonstration will be included in the video that will accompany this project. The video describes our collaboration and website functions.</a:t>
             </a:r>
           </a:p>
         </p:txBody>
@@ -5403,15 +5396,10 @@
             </a:r>
           </a:p>
           <a:p>
-            <a:r>
-              <a:rPr lang="en-US" altLang="en-US" sz="3600" dirty="0">
-                <a:latin typeface="+mj-lt"/>
-                <a:cs typeface="Arial" panose="020B0604020202020204" pitchFamily="34" charset="0"/>
-              </a:rPr>
-              <a:t>In addition to the current weather, a future enhancement would return a picture of the city selected. This will provide for a better experience for the user. </a:t>
-            </a:r>
-          </a:p>
-          <a:p>
+            <a:pPr marL="571500" indent="-571500">
+              <a:buFont typeface="Arial" panose="020B0604020202020204" pitchFamily="34" charset="0"/>
+              <a:buChar char="•"/>
+            </a:pPr>
             <a:r>
               <a:rPr lang="en-US" altLang="en-US" sz="3600" dirty="0">
                 <a:latin typeface="+mj-lt"/>
@@ -5421,6 +5409,10 @@
             </a:r>
           </a:p>
           <a:p>
+            <a:pPr marL="571500" indent="-571500">
+              <a:buFont typeface="Arial" panose="020B0604020202020204" pitchFamily="34" charset="0"/>
+              <a:buChar char="•"/>
+            </a:pPr>
             <a:r>
               <a:rPr lang="en-US" altLang="en-US" sz="3600" dirty="0">
                 <a:latin typeface="+mj-lt"/>
@@ -5430,6 +5422,10 @@
             </a:r>
           </a:p>
           <a:p>
+            <a:pPr marL="571500" indent="-571500">
+              <a:buFont typeface="Arial" panose="020B0604020202020204" pitchFamily="34" charset="0"/>
+              <a:buChar char="•"/>
+            </a:pPr>
             <a:r>
               <a:rPr lang="en-US" altLang="en-US" sz="3600" dirty="0">
                 <a:latin typeface="+mj-lt"/>
@@ -5439,6 +5435,10 @@
             </a:r>
           </a:p>
           <a:p>
+            <a:pPr marL="571500" indent="-571500">
+              <a:buFont typeface="Arial" panose="020B0604020202020204" pitchFamily="34" charset="0"/>
+              <a:buChar char="•"/>
+            </a:pPr>
             <a:r>
               <a:rPr lang="en-US" altLang="en-US" sz="3600" dirty="0">
                 <a:latin typeface="+mj-lt"/>
@@ -5448,6 +5448,10 @@
             </a:r>
           </a:p>
           <a:p>
+            <a:pPr marL="571500" indent="-571500">
+              <a:buFont typeface="Arial" panose="020B0604020202020204" pitchFamily="34" charset="0"/>
+              <a:buChar char="•"/>
+            </a:pPr>
             <a:r>
               <a:rPr lang="en-US" altLang="en-US" sz="3600" dirty="0">
                 <a:latin typeface="+mj-lt"/>
@@ -5509,7 +5513,7 @@
         </p:blipFill>
         <p:spPr>
           <a:xfrm>
-            <a:off x="12001500" y="7186821"/>
+            <a:off x="11675078" y="7186821"/>
             <a:ext cx="19888200" cy="10167765"/>
           </a:xfrm>
           <a:prstGeom prst="rect">
@@ -5539,7 +5543,7 @@
         </p:blipFill>
         <p:spPr>
           <a:xfrm>
-            <a:off x="12340127" y="17705749"/>
+            <a:off x="12745251" y="17541060"/>
             <a:ext cx="17754600" cy="14984052"/>
           </a:xfrm>
           <a:prstGeom prst="rect">
